--- a/architecture.pptx
+++ b/architecture.pptx
@@ -1005,39 +1005,6 @@
         </a:p>
       </dgm:t>
     </dgm:pt>
-    <dgm:pt modelId="{ED357314-0890-43F5-8A74-5D8A455E6A55}">
-      <dgm:prSet phldrT="[Текст]"/>
-      <dgm:spPr/>
-      <dgm:t>
-        <a:bodyPr/>
-        <a:lstStyle/>
-        <a:p>
-          <a:endParaRPr lang="en-US" dirty="0"/>
-        </a:p>
-      </dgm:t>
-    </dgm:pt>
-    <dgm:pt modelId="{578C7B93-A3BB-46A7-81C8-E7BBB0EC1F50}" type="parTrans" cxnId="{D79C5833-AE25-4CE6-8842-F96ADC997F10}">
-      <dgm:prSet/>
-      <dgm:spPr/>
-      <dgm:t>
-        <a:bodyPr/>
-        <a:lstStyle/>
-        <a:p>
-          <a:endParaRPr lang="en-US"/>
-        </a:p>
-      </dgm:t>
-    </dgm:pt>
-    <dgm:pt modelId="{9F016AE8-0349-4768-90E2-32698ADD7E91}" type="sibTrans" cxnId="{D79C5833-AE25-4CE6-8842-F96ADC997F10}">
-      <dgm:prSet/>
-      <dgm:spPr/>
-      <dgm:t>
-        <a:bodyPr/>
-        <a:lstStyle/>
-        <a:p>
-          <a:endParaRPr lang="en-US"/>
-        </a:p>
-      </dgm:t>
-    </dgm:pt>
     <dgm:pt modelId="{CD34663A-1C6C-440D-A3F4-8F6437D8459D}" type="pres">
       <dgm:prSet presAssocID="{4E8A389A-444D-455A-8BB3-C6B606C4E83F}" presName="Name0" presStyleCnt="0">
         <dgm:presLayoutVars>
@@ -1048,7 +1015,7 @@
       <dgm:spPr/>
     </dgm:pt>
     <dgm:pt modelId="{50E747FE-E384-495A-A2A8-B927881D7F7F}" type="pres">
-      <dgm:prSet presAssocID="{7C8A541F-9BAC-48CB-87A3-0F8A6C432877}" presName="Name5" presStyleLbl="vennNode1" presStyleIdx="0" presStyleCnt="5" custScaleX="36726" custScaleY="9970" custLinFactX="11500" custLinFactNeighborX="100000" custLinFactNeighborY="3550">
+      <dgm:prSet presAssocID="{7C8A541F-9BAC-48CB-87A3-0F8A6C432877}" presName="Name5" presStyleLbl="vennNode1" presStyleIdx="0" presStyleCnt="4" custScaleX="36726" custScaleY="9970" custLinFactX="3851" custLinFactNeighborX="100000" custLinFactNeighborY="3090">
         <dgm:presLayoutVars>
           <dgm:bulletEnabled val="1"/>
         </dgm:presLayoutVars>
@@ -1060,7 +1027,7 @@
       <dgm:spPr/>
     </dgm:pt>
     <dgm:pt modelId="{35753C08-B7CA-4A89-A76F-C42EAD044CE2}" type="pres">
-      <dgm:prSet presAssocID="{18E8B830-A441-4297-B1AB-D984878D61AA}" presName="Name5" presStyleLbl="vennNode1" presStyleIdx="1" presStyleCnt="5" custScaleX="36726" custScaleY="9970" custLinFactNeighborX="73871" custLinFactNeighborY="19834">
+      <dgm:prSet presAssocID="{18E8B830-A441-4297-B1AB-D984878D61AA}" presName="Name5" presStyleLbl="vennNode1" presStyleIdx="1" presStyleCnt="4" custScaleX="36726" custScaleY="9970" custLinFactNeighborX="35627" custLinFactNeighborY="19837">
         <dgm:presLayoutVars>
           <dgm:bulletEnabled val="1"/>
         </dgm:presLayoutVars>
@@ -1071,20 +1038,8 @@
       <dgm:prSet presAssocID="{65956054-37DC-405C-B7C1-9E487ACE4E54}" presName="space" presStyleCnt="0"/>
       <dgm:spPr/>
     </dgm:pt>
-    <dgm:pt modelId="{88582003-D99F-43A4-92FF-B0E909030E8E}" type="pres">
-      <dgm:prSet presAssocID="{ED357314-0890-43F5-8A74-5D8A455E6A55}" presName="Name5" presStyleLbl="vennNode1" presStyleIdx="2" presStyleCnt="5" custScaleX="36726" custScaleY="9970" custLinFactNeighborX="-9759" custLinFactNeighborY="35805">
-        <dgm:presLayoutVars>
-          <dgm:bulletEnabled val="1"/>
-        </dgm:presLayoutVars>
-      </dgm:prSet>
-      <dgm:spPr/>
-    </dgm:pt>
-    <dgm:pt modelId="{184C1C85-2E0C-454D-87E0-613A9F6B29C6}" type="pres">
-      <dgm:prSet presAssocID="{9F016AE8-0349-4768-90E2-32698ADD7E91}" presName="space" presStyleCnt="0"/>
-      <dgm:spPr/>
-    </dgm:pt>
     <dgm:pt modelId="{0A5912E4-1DF7-4658-A5ED-01DDEB4F4064}" type="pres">
-      <dgm:prSet presAssocID="{ABBD1B52-AB6D-48C2-A12E-0AA36C5B9361}" presName="Name5" presStyleLbl="vennNode1" presStyleIdx="3" presStyleCnt="5" custScaleX="36726" custScaleY="9970" custLinFactNeighborX="-93389" custLinFactNeighborY="-13465">
+      <dgm:prSet presAssocID="{ABBD1B52-AB6D-48C2-A12E-0AA36C5B9361}" presName="Name5" presStyleLbl="vennNode1" presStyleIdx="2" presStyleCnt="4" custScaleX="36726" custScaleY="9970" custLinFactNeighborX="-48003" custLinFactNeighborY="-13850">
         <dgm:presLayoutVars>
           <dgm:bulletEnabled val="1"/>
         </dgm:presLayoutVars>
@@ -1096,7 +1051,7 @@
       <dgm:spPr/>
     </dgm:pt>
     <dgm:pt modelId="{B9561639-0FBC-42EB-B041-DE977556135C}" type="pres">
-      <dgm:prSet presAssocID="{53868FCC-0A8B-411B-AF68-FD08FDDC4FBB}" presName="Name5" presStyleLbl="vennNode1" presStyleIdx="4" presStyleCnt="5" custScaleX="36726" custScaleY="9970" custLinFactX="-15404" custLinFactNeighborX="-100000" custLinFactNeighborY="-29424">
+      <dgm:prSet presAssocID="{53868FCC-0A8B-411B-AF68-FD08FDDC4FBB}" presName="Name5" presStyleLbl="vennNode1" presStyleIdx="3" presStyleCnt="4" custScaleX="36726" custScaleY="9970" custLinFactX="-6327" custLinFactNeighborX="-100000" custLinFactNeighborY="-29163">
         <dgm:presLayoutVars>
           <dgm:bulletEnabled val="1"/>
         </dgm:presLayoutVars>
@@ -1106,25 +1061,21 @@
   </dgm:ptLst>
   <dgm:cxnLst>
     <dgm:cxn modelId="{02820F27-91CF-4996-A912-112301E7CB20}" type="presOf" srcId="{4E8A389A-444D-455A-8BB3-C6B606C4E83F}" destId="{CD34663A-1C6C-440D-A3F4-8F6437D8459D}" srcOrd="0" destOrd="0" presId="urn:microsoft.com/office/officeart/2005/8/layout/venn3"/>
-    <dgm:cxn modelId="{D79C5833-AE25-4CE6-8842-F96ADC997F10}" srcId="{4E8A389A-444D-455A-8BB3-C6B606C4E83F}" destId="{ED357314-0890-43F5-8A74-5D8A455E6A55}" srcOrd="2" destOrd="0" parTransId="{578C7B93-A3BB-46A7-81C8-E7BBB0EC1F50}" sibTransId="{9F016AE8-0349-4768-90E2-32698ADD7E91}"/>
     <dgm:cxn modelId="{FBD58776-136E-471C-8976-DDBF6C682EFA}" type="presOf" srcId="{18E8B830-A441-4297-B1AB-D984878D61AA}" destId="{35753C08-B7CA-4A89-A76F-C42EAD044CE2}" srcOrd="0" destOrd="0" presId="urn:microsoft.com/office/officeart/2005/8/layout/venn3"/>
-    <dgm:cxn modelId="{A53D0E93-1BEC-4A97-A852-7E86A69DC259}" srcId="{4E8A389A-444D-455A-8BB3-C6B606C4E83F}" destId="{ABBD1B52-AB6D-48C2-A12E-0AA36C5B9361}" srcOrd="3" destOrd="0" parTransId="{D8CCA2B0-1601-4464-B0E5-2370D2E114E4}" sibTransId="{26108479-1F4A-4360-A1BF-91C5CFEBBA21}"/>
+    <dgm:cxn modelId="{A53D0E93-1BEC-4A97-A852-7E86A69DC259}" srcId="{4E8A389A-444D-455A-8BB3-C6B606C4E83F}" destId="{ABBD1B52-AB6D-48C2-A12E-0AA36C5B9361}" srcOrd="2" destOrd="0" parTransId="{D8CCA2B0-1601-4464-B0E5-2370D2E114E4}" sibTransId="{26108479-1F4A-4360-A1BF-91C5CFEBBA21}"/>
     <dgm:cxn modelId="{D238BB93-5ACE-4D70-853A-11DBE950F756}" srcId="{4E8A389A-444D-455A-8BB3-C6B606C4E83F}" destId="{7C8A541F-9BAC-48CB-87A3-0F8A6C432877}" srcOrd="0" destOrd="0" parTransId="{F098511F-9231-4122-8F34-98575D638C8D}" sibTransId="{77A7735A-ABC3-4855-AFCD-68ED38A52271}"/>
-    <dgm:cxn modelId="{8891F097-13FE-4D2B-96BE-D151B3E2EF11}" srcId="{4E8A389A-444D-455A-8BB3-C6B606C4E83F}" destId="{53868FCC-0A8B-411B-AF68-FD08FDDC4FBB}" srcOrd="4" destOrd="0" parTransId="{FC9F4CD9-B5BE-44F4-85F0-7E051348AA30}" sibTransId="{551D0D08-EF38-422B-916D-9012D1784DAF}"/>
+    <dgm:cxn modelId="{8891F097-13FE-4D2B-96BE-D151B3E2EF11}" srcId="{4E8A389A-444D-455A-8BB3-C6B606C4E83F}" destId="{53868FCC-0A8B-411B-AF68-FD08FDDC4FBB}" srcOrd="3" destOrd="0" parTransId="{FC9F4CD9-B5BE-44F4-85F0-7E051348AA30}" sibTransId="{551D0D08-EF38-422B-916D-9012D1784DAF}"/>
     <dgm:cxn modelId="{E3A0809C-C86A-4452-9678-4A8675EAE5A4}" type="presOf" srcId="{53868FCC-0A8B-411B-AF68-FD08FDDC4FBB}" destId="{B9561639-0FBC-42EB-B041-DE977556135C}" srcOrd="0" destOrd="0" presId="urn:microsoft.com/office/officeart/2005/8/layout/venn3"/>
     <dgm:cxn modelId="{CD878BC0-EDE3-4353-8C49-3BB8312F46D8}" type="presOf" srcId="{7C8A541F-9BAC-48CB-87A3-0F8A6C432877}" destId="{50E747FE-E384-495A-A2A8-B927881D7F7F}" srcOrd="0" destOrd="0" presId="urn:microsoft.com/office/officeart/2005/8/layout/venn3"/>
-    <dgm:cxn modelId="{155366D5-E4D5-4A74-9CAF-B0AD1BFF7DBD}" type="presOf" srcId="{ED357314-0890-43F5-8A74-5D8A455E6A55}" destId="{88582003-D99F-43A4-92FF-B0E909030E8E}" srcOrd="0" destOrd="0" presId="urn:microsoft.com/office/officeart/2005/8/layout/venn3"/>
     <dgm:cxn modelId="{BF1F78DF-EE09-43B2-ADDF-FF760A4327C7}" type="presOf" srcId="{ABBD1B52-AB6D-48C2-A12E-0AA36C5B9361}" destId="{0A5912E4-1DF7-4658-A5ED-01DDEB4F4064}" srcOrd="0" destOrd="0" presId="urn:microsoft.com/office/officeart/2005/8/layout/venn3"/>
     <dgm:cxn modelId="{77EE71E2-10C0-48FA-A39B-A532B1DD8E09}" srcId="{4E8A389A-444D-455A-8BB3-C6B606C4E83F}" destId="{18E8B830-A441-4297-B1AB-D984878D61AA}" srcOrd="1" destOrd="0" parTransId="{E3A0B4A8-0CD6-4BBD-80FB-438637072E62}" sibTransId="{65956054-37DC-405C-B7C1-9E487ACE4E54}"/>
     <dgm:cxn modelId="{EC672AD9-2BC9-4681-A233-BAA85B63855D}" type="presParOf" srcId="{CD34663A-1C6C-440D-A3F4-8F6437D8459D}" destId="{50E747FE-E384-495A-A2A8-B927881D7F7F}" srcOrd="0" destOrd="0" presId="urn:microsoft.com/office/officeart/2005/8/layout/venn3"/>
     <dgm:cxn modelId="{8FAEE239-B585-4EFD-970F-FECCFB4E1206}" type="presParOf" srcId="{CD34663A-1C6C-440D-A3F4-8F6437D8459D}" destId="{E6680A8B-6038-443C-8B64-BB1DF410F81D}" srcOrd="1" destOrd="0" presId="urn:microsoft.com/office/officeart/2005/8/layout/venn3"/>
     <dgm:cxn modelId="{AE1BD697-FA0C-47AD-9688-1477C89A3147}" type="presParOf" srcId="{CD34663A-1C6C-440D-A3F4-8F6437D8459D}" destId="{35753C08-B7CA-4A89-A76F-C42EAD044CE2}" srcOrd="2" destOrd="0" presId="urn:microsoft.com/office/officeart/2005/8/layout/venn3"/>
     <dgm:cxn modelId="{8696EB21-17D4-4C01-8D86-CF577ACA826D}" type="presParOf" srcId="{CD34663A-1C6C-440D-A3F4-8F6437D8459D}" destId="{D956BB17-E6C5-4380-877E-3DD827669E10}" srcOrd="3" destOrd="0" presId="urn:microsoft.com/office/officeart/2005/8/layout/venn3"/>
-    <dgm:cxn modelId="{F71F062D-E9FB-4C5C-98CC-03802E2B75C5}" type="presParOf" srcId="{CD34663A-1C6C-440D-A3F4-8F6437D8459D}" destId="{88582003-D99F-43A4-92FF-B0E909030E8E}" srcOrd="4" destOrd="0" presId="urn:microsoft.com/office/officeart/2005/8/layout/venn3"/>
-    <dgm:cxn modelId="{C305E4C6-2653-4346-AEE5-2868EDE08EE5}" type="presParOf" srcId="{CD34663A-1C6C-440D-A3F4-8F6437D8459D}" destId="{184C1C85-2E0C-454D-87E0-613A9F6B29C6}" srcOrd="5" destOrd="0" presId="urn:microsoft.com/office/officeart/2005/8/layout/venn3"/>
-    <dgm:cxn modelId="{EE8FF511-2ADF-4B18-BA0D-1237DD8BD008}" type="presParOf" srcId="{CD34663A-1C6C-440D-A3F4-8F6437D8459D}" destId="{0A5912E4-1DF7-4658-A5ED-01DDEB4F4064}" srcOrd="6" destOrd="0" presId="urn:microsoft.com/office/officeart/2005/8/layout/venn3"/>
-    <dgm:cxn modelId="{33ED8B30-96D3-4679-8FE9-EB3A10B1FBA7}" type="presParOf" srcId="{CD34663A-1C6C-440D-A3F4-8F6437D8459D}" destId="{554F2281-8C11-42B8-B1EC-2DE622456ED6}" srcOrd="7" destOrd="0" presId="urn:microsoft.com/office/officeart/2005/8/layout/venn3"/>
-    <dgm:cxn modelId="{0CC325C5-0E62-4BC1-9E9D-6D8BED0E7894}" type="presParOf" srcId="{CD34663A-1C6C-440D-A3F4-8F6437D8459D}" destId="{B9561639-0FBC-42EB-B041-DE977556135C}" srcOrd="8" destOrd="0" presId="urn:microsoft.com/office/officeart/2005/8/layout/venn3"/>
+    <dgm:cxn modelId="{EE8FF511-2ADF-4B18-BA0D-1237DD8BD008}" type="presParOf" srcId="{CD34663A-1C6C-440D-A3F4-8F6437D8459D}" destId="{0A5912E4-1DF7-4658-A5ED-01DDEB4F4064}" srcOrd="4" destOrd="0" presId="urn:microsoft.com/office/officeart/2005/8/layout/venn3"/>
+    <dgm:cxn modelId="{33ED8B30-96D3-4679-8FE9-EB3A10B1FBA7}" type="presParOf" srcId="{CD34663A-1C6C-440D-A3F4-8F6437D8459D}" destId="{554F2281-8C11-42B8-B1EC-2DE622456ED6}" srcOrd="5" destOrd="0" presId="urn:microsoft.com/office/officeart/2005/8/layout/venn3"/>
+    <dgm:cxn modelId="{0CC325C5-0E62-4BC1-9E9D-6D8BED0E7894}" type="presParOf" srcId="{CD34663A-1C6C-440D-A3F4-8F6437D8459D}" destId="{B9561639-0FBC-42EB-B041-DE977556135C}" srcOrd="6" destOrd="0" presId="urn:microsoft.com/office/officeart/2005/8/layout/venn3"/>
   </dgm:cxnLst>
   <dgm:bg/>
   <dgm:whole/>
@@ -1151,8 +1102,8 @@
       </dsp:nvSpPr>
       <dsp:spPr>
         <a:xfrm>
-          <a:off x="2470846" y="3203703"/>
-          <a:ext cx="2880144" cy="781872"/>
+          <a:off x="2470830" y="3162213"/>
+          <a:ext cx="2985089" cy="810361"/>
         </a:xfrm>
         <a:prstGeom prst="ellipse">
           <a:avLst/>
@@ -1195,7 +1146,7 @@
         </a:fontRef>
       </dsp:style>
       <dsp:txBody>
-        <a:bodyPr spcFirstLastPara="0" vert="horz" wrap="square" lIns="431585" tIns="12700" rIns="431585" bIns="12700" numCol="1" spcCol="1270" anchor="ctr" anchorCtr="0">
+        <a:bodyPr spcFirstLastPara="0" vert="horz" wrap="square" lIns="447311" tIns="12700" rIns="447311" bIns="12700" numCol="1" spcCol="1270" anchor="ctr" anchorCtr="0">
           <a:noAutofit/>
         </a:bodyPr>
         <a:lstStyle/>
@@ -1216,8 +1167,8 @@
         </a:p>
       </dsp:txBody>
       <dsp:txXfrm>
-        <a:off x="2892633" y="3318206"/>
-        <a:ext cx="2036570" cy="552866"/>
+        <a:off x="2907986" y="3280888"/>
+        <a:ext cx="2110777" cy="573011"/>
       </dsp:txXfrm>
     </dsp:sp>
     <dsp:sp modelId="{35753C08-B7CA-4A89-A76F-C42EAD044CE2}">
@@ -1227,8 +1178,8 @@
       </dsp:nvSpPr>
       <dsp:spPr>
         <a:xfrm>
-          <a:off x="2470862" y="4480735"/>
-          <a:ext cx="2880144" cy="781872"/>
+          <a:off x="2470863" y="4523410"/>
+          <a:ext cx="2985089" cy="810361"/>
         </a:xfrm>
         <a:prstGeom prst="ellipse">
           <a:avLst/>
@@ -1271,12 +1222,12 @@
         </a:fontRef>
       </dsp:style>
       <dsp:txBody>
-        <a:bodyPr spcFirstLastPara="0" vert="horz" wrap="square" lIns="431585" tIns="41910" rIns="431585" bIns="41910" numCol="1" spcCol="1270" anchor="ctr" anchorCtr="0">
+        <a:bodyPr spcFirstLastPara="0" vert="horz" wrap="square" lIns="447311" tIns="43180" rIns="447311" bIns="43180" numCol="1" spcCol="1270" anchor="ctr" anchorCtr="0">
           <a:noAutofit/>
         </a:bodyPr>
         <a:lstStyle/>
         <a:p>
-          <a:pPr marL="0" lvl="0" indent="0" algn="ctr" defTabSz="1466850">
+          <a:pPr marL="0" lvl="0" indent="0" algn="ctr" defTabSz="1511300">
             <a:lnSpc>
               <a:spcPct val="90000"/>
             </a:lnSpc>
@@ -1288,23 +1239,23 @@
             </a:spcAft>
             <a:buNone/>
           </a:pPr>
-          <a:endParaRPr lang="en-US" sz="3300" kern="1200" dirty="0"/>
+          <a:endParaRPr lang="en-US" sz="3400" kern="1200" dirty="0"/>
         </a:p>
       </dsp:txBody>
       <dsp:txXfrm>
-        <a:off x="2892649" y="4595238"/>
-        <a:ext cx="2036570" cy="552866"/>
+        <a:off x="2908019" y="4642085"/>
+        <a:ext cx="2110777" cy="573011"/>
       </dsp:txXfrm>
     </dsp:sp>
-    <dsp:sp modelId="{88582003-D99F-43A4-92FF-B0E909030E8E}">
+    <dsp:sp modelId="{0A5912E4-1DF7-4658-A5ED-01DDEB4F4064}">
       <dsp:nvSpPr>
         <dsp:cNvPr id="0" name=""/>
         <dsp:cNvSpPr/>
       </dsp:nvSpPr>
       <dsp:spPr>
         <a:xfrm>
-          <a:off x="2470862" y="5733220"/>
-          <a:ext cx="2880144" cy="781872"/>
+          <a:off x="2470863" y="1785330"/>
+          <a:ext cx="2985089" cy="810361"/>
         </a:xfrm>
         <a:prstGeom prst="ellipse">
           <a:avLst/>
@@ -1347,12 +1298,12 @@
         </a:fontRef>
       </dsp:style>
       <dsp:txBody>
-        <a:bodyPr spcFirstLastPara="0" vert="horz" wrap="square" lIns="431585" tIns="41910" rIns="431585" bIns="41910" numCol="1" spcCol="1270" anchor="ctr" anchorCtr="0">
+        <a:bodyPr spcFirstLastPara="0" vert="horz" wrap="square" lIns="447311" tIns="43180" rIns="447311" bIns="43180" numCol="1" spcCol="1270" anchor="ctr" anchorCtr="0">
           <a:noAutofit/>
         </a:bodyPr>
         <a:lstStyle/>
         <a:p>
-          <a:pPr marL="0" lvl="0" indent="0" algn="ctr" defTabSz="1466850">
+          <a:pPr marL="0" lvl="0" indent="0" algn="ctr" defTabSz="1511300">
             <a:lnSpc>
               <a:spcPct val="90000"/>
             </a:lnSpc>
@@ -1364,23 +1315,23 @@
             </a:spcAft>
             <a:buNone/>
           </a:pPr>
-          <a:endParaRPr lang="en-US" sz="3300" kern="1200" dirty="0"/>
+          <a:endParaRPr lang="en-US" sz="3400" kern="1200" dirty="0"/>
         </a:p>
       </dsp:txBody>
       <dsp:txXfrm>
-        <a:off x="2892649" y="5847723"/>
-        <a:ext cx="2036570" cy="552866"/>
+        <a:off x="2908019" y="1904005"/>
+        <a:ext cx="2110777" cy="573011"/>
       </dsp:txXfrm>
     </dsp:sp>
-    <dsp:sp modelId="{0A5912E4-1DF7-4658-A5ED-01DDEB4F4064}">
+    <dsp:sp modelId="{B9561639-0FBC-42EB-B041-DE977556135C}">
       <dsp:nvSpPr>
         <dsp:cNvPr id="0" name=""/>
         <dsp:cNvSpPr/>
       </dsp:nvSpPr>
       <dsp:spPr>
         <a:xfrm>
-          <a:off x="2470862" y="1869344"/>
-          <a:ext cx="2880144" cy="781872"/>
+          <a:off x="2470830" y="540690"/>
+          <a:ext cx="2985089" cy="810361"/>
         </a:xfrm>
         <a:prstGeom prst="ellipse">
           <a:avLst/>
@@ -1423,12 +1374,12 @@
         </a:fontRef>
       </dsp:style>
       <dsp:txBody>
-        <a:bodyPr spcFirstLastPara="0" vert="horz" wrap="square" lIns="431585" tIns="41910" rIns="431585" bIns="41910" numCol="1" spcCol="1270" anchor="ctr" anchorCtr="0">
+        <a:bodyPr spcFirstLastPara="0" vert="horz" wrap="square" lIns="447311" tIns="43180" rIns="447311" bIns="43180" numCol="1" spcCol="1270" anchor="ctr" anchorCtr="0">
           <a:noAutofit/>
         </a:bodyPr>
         <a:lstStyle/>
         <a:p>
-          <a:pPr marL="0" lvl="0" indent="0" algn="ctr" defTabSz="1466850">
+          <a:pPr marL="0" lvl="0" indent="0" algn="ctr" defTabSz="1511300">
             <a:lnSpc>
               <a:spcPct val="90000"/>
             </a:lnSpc>
@@ -1440,88 +1391,12 @@
             </a:spcAft>
             <a:buNone/>
           </a:pPr>
-          <a:endParaRPr lang="en-US" sz="3300" kern="1200" dirty="0"/>
+          <a:endParaRPr lang="en-US" sz="3400" kern="1200" dirty="0"/>
         </a:p>
       </dsp:txBody>
       <dsp:txXfrm>
-        <a:off x="2892649" y="1983847"/>
-        <a:ext cx="2036570" cy="552866"/>
-      </dsp:txXfrm>
-    </dsp:sp>
-    <dsp:sp modelId="{B9561639-0FBC-42EB-B041-DE977556135C}">
-      <dsp:nvSpPr>
-        <dsp:cNvPr id="0" name=""/>
-        <dsp:cNvSpPr/>
-      </dsp:nvSpPr>
-      <dsp:spPr>
-        <a:xfrm>
-          <a:off x="2470846" y="617799"/>
-          <a:ext cx="2880144" cy="781872"/>
-        </a:xfrm>
-        <a:prstGeom prst="ellipse">
-          <a:avLst/>
-        </a:prstGeom>
-        <a:solidFill>
-          <a:schemeClr val="accent1">
-            <a:alpha val="50000"/>
-            <a:hueOff val="0"/>
-            <a:satOff val="0"/>
-            <a:lumOff val="0"/>
-            <a:alphaOff val="0"/>
-          </a:schemeClr>
-        </a:solidFill>
-        <a:ln w="12700" cap="flat" cmpd="sng" algn="ctr">
-          <a:solidFill>
-            <a:schemeClr val="lt1">
-              <a:hueOff val="0"/>
-              <a:satOff val="0"/>
-              <a:lumOff val="0"/>
-              <a:alphaOff val="0"/>
-            </a:schemeClr>
-          </a:solidFill>
-          <a:prstDash val="solid"/>
-          <a:miter lim="800000"/>
-        </a:ln>
-        <a:effectLst/>
-      </dsp:spPr>
-      <dsp:style>
-        <a:lnRef idx="2">
-          <a:scrgbClr r="0" g="0" b="0"/>
-        </a:lnRef>
-        <a:fillRef idx="1">
-          <a:scrgbClr r="0" g="0" b="0"/>
-        </a:fillRef>
-        <a:effectRef idx="0">
-          <a:scrgbClr r="0" g="0" b="0"/>
-        </a:effectRef>
-        <a:fontRef idx="minor">
-          <a:schemeClr val="tx1"/>
-        </a:fontRef>
-      </dsp:style>
-      <dsp:txBody>
-        <a:bodyPr spcFirstLastPara="0" vert="horz" wrap="square" lIns="431585" tIns="41910" rIns="431585" bIns="41910" numCol="1" spcCol="1270" anchor="ctr" anchorCtr="0">
-          <a:noAutofit/>
-        </a:bodyPr>
-        <a:lstStyle/>
-        <a:p>
-          <a:pPr marL="0" lvl="0" indent="0" algn="ctr" defTabSz="1466850">
-            <a:lnSpc>
-              <a:spcPct val="90000"/>
-            </a:lnSpc>
-            <a:spcBef>
-              <a:spcPct val="0"/>
-            </a:spcBef>
-            <a:spcAft>
-              <a:spcPct val="35000"/>
-            </a:spcAft>
-            <a:buNone/>
-          </a:pPr>
-          <a:endParaRPr lang="en-US" sz="3300" kern="1200" dirty="0"/>
-        </a:p>
-      </dsp:txBody>
-      <dsp:txXfrm>
-        <a:off x="2892633" y="732302"/>
-        <a:ext cx="2036570" cy="552866"/>
+        <a:off x="2907986" y="659365"/>
+        <a:ext cx="2110777" cy="573011"/>
       </dsp:txXfrm>
     </dsp:sp>
   </dsp:spTree>
@@ -2847,7 +2722,7 @@
           <a:p>
             <a:fld id="{D078AA42-9DE9-42FD-9068-FFD75226E719}" type="datetimeFigureOut">
               <a:rPr lang="en-US" smtClean="0"/>
-              <a:t>12/11/2019</a:t>
+              <a:t>12/14/2019</a:t>
             </a:fld>
             <a:endParaRPr lang="en-US"/>
           </a:p>
@@ -3047,7 +2922,7 @@
           <a:p>
             <a:fld id="{D078AA42-9DE9-42FD-9068-FFD75226E719}" type="datetimeFigureOut">
               <a:rPr lang="en-US" smtClean="0"/>
-              <a:t>12/11/2019</a:t>
+              <a:t>12/14/2019</a:t>
             </a:fld>
             <a:endParaRPr lang="en-US"/>
           </a:p>
@@ -3257,7 +3132,7 @@
           <a:p>
             <a:fld id="{D078AA42-9DE9-42FD-9068-FFD75226E719}" type="datetimeFigureOut">
               <a:rPr lang="en-US" smtClean="0"/>
-              <a:t>12/11/2019</a:t>
+              <a:t>12/14/2019</a:t>
             </a:fld>
             <a:endParaRPr lang="en-US"/>
           </a:p>
@@ -3457,7 +3332,7 @@
           <a:p>
             <a:fld id="{D078AA42-9DE9-42FD-9068-FFD75226E719}" type="datetimeFigureOut">
               <a:rPr lang="en-US" smtClean="0"/>
-              <a:t>12/11/2019</a:t>
+              <a:t>12/14/2019</a:t>
             </a:fld>
             <a:endParaRPr lang="en-US"/>
           </a:p>
@@ -3733,7 +3608,7 @@
           <a:p>
             <a:fld id="{D078AA42-9DE9-42FD-9068-FFD75226E719}" type="datetimeFigureOut">
               <a:rPr lang="en-US" smtClean="0"/>
-              <a:t>12/11/2019</a:t>
+              <a:t>12/14/2019</a:t>
             </a:fld>
             <a:endParaRPr lang="en-US"/>
           </a:p>
@@ -4001,7 +3876,7 @@
           <a:p>
             <a:fld id="{D078AA42-9DE9-42FD-9068-FFD75226E719}" type="datetimeFigureOut">
               <a:rPr lang="en-US" smtClean="0"/>
-              <a:t>12/11/2019</a:t>
+              <a:t>12/14/2019</a:t>
             </a:fld>
             <a:endParaRPr lang="en-US"/>
           </a:p>
@@ -4416,7 +4291,7 @@
           <a:p>
             <a:fld id="{D078AA42-9DE9-42FD-9068-FFD75226E719}" type="datetimeFigureOut">
               <a:rPr lang="en-US" smtClean="0"/>
-              <a:t>12/11/2019</a:t>
+              <a:t>12/14/2019</a:t>
             </a:fld>
             <a:endParaRPr lang="en-US"/>
           </a:p>
@@ -4558,7 +4433,7 @@
           <a:p>
             <a:fld id="{D078AA42-9DE9-42FD-9068-FFD75226E719}" type="datetimeFigureOut">
               <a:rPr lang="en-US" smtClean="0"/>
-              <a:t>12/11/2019</a:t>
+              <a:t>12/14/2019</a:t>
             </a:fld>
             <a:endParaRPr lang="en-US"/>
           </a:p>
@@ -4671,7 +4546,7 @@
           <a:p>
             <a:fld id="{D078AA42-9DE9-42FD-9068-FFD75226E719}" type="datetimeFigureOut">
               <a:rPr lang="en-US" smtClean="0"/>
-              <a:t>12/11/2019</a:t>
+              <a:t>12/14/2019</a:t>
             </a:fld>
             <a:endParaRPr lang="en-US"/>
           </a:p>
@@ -4984,7 +4859,7 @@
           <a:p>
             <a:fld id="{D078AA42-9DE9-42FD-9068-FFD75226E719}" type="datetimeFigureOut">
               <a:rPr lang="en-US" smtClean="0"/>
-              <a:t>12/11/2019</a:t>
+              <a:t>12/14/2019</a:t>
             </a:fld>
             <a:endParaRPr lang="en-US"/>
           </a:p>
@@ -5273,7 +5148,7 @@
           <a:p>
             <a:fld id="{D078AA42-9DE9-42FD-9068-FFD75226E719}" type="datetimeFigureOut">
               <a:rPr lang="en-US" smtClean="0"/>
-              <a:t>12/11/2019</a:t>
+              <a:t>12/14/2019</a:t>
             </a:fld>
             <a:endParaRPr lang="en-US"/>
           </a:p>
@@ -5516,7 +5391,7 @@
           <a:p>
             <a:fld id="{D078AA42-9DE9-42FD-9068-FFD75226E719}" type="datetimeFigureOut">
               <a:rPr lang="en-US" smtClean="0"/>
-              <a:t>12/11/2019</a:t>
+              <a:t>12/14/2019</a:t>
             </a:fld>
             <a:endParaRPr lang="en-US"/>
           </a:p>
@@ -5946,7 +5821,7 @@
           <p:nvPr>
             <p:extLst>
               <p:ext uri="{D42A27DB-BD31-4B8C-83A1-F6EECF244321}">
-                <p14:modId xmlns:p14="http://schemas.microsoft.com/office/powerpoint/2010/main" val="3775095634"/>
+                <p14:modId xmlns:p14="http://schemas.microsoft.com/office/powerpoint/2010/main" val="1891024401"/>
               </p:ext>
             </p:extLst>
           </p:nvPr>
@@ -6128,7 +6003,7 @@
         </p:nvSpPr>
         <p:spPr>
           <a:xfrm>
-            <a:off x="1872798" y="3474301"/>
+            <a:off x="1872797" y="3641042"/>
             <a:ext cx="1217898" cy="369332"/>
           </a:xfrm>
           <a:prstGeom prst="rect">
@@ -6166,7 +6041,7 @@
         <p:spPr>
           <a:xfrm>
             <a:off x="3777673" y="1246909"/>
-            <a:ext cx="0" cy="5181600"/>
+            <a:ext cx="0" cy="4096836"/>
           </a:xfrm>
           <a:prstGeom prst="line">
             <a:avLst/>
@@ -6201,7 +6076,7 @@
         </p:nvSpPr>
         <p:spPr>
           <a:xfrm>
-            <a:off x="1872798" y="4784091"/>
+            <a:off x="1894502" y="4974413"/>
             <a:ext cx="1174489" cy="369332"/>
           </a:xfrm>
           <a:prstGeom prst="rect">
@@ -6222,41 +6097,6 @@
           </a:p>
         </p:txBody>
       </p:sp>
-      <p:sp>
-        <p:nvSpPr>
-          <p:cNvPr id="14" name="Текстово поле 13">
-            <a:extLst>
-              <a:ext uri="{FF2B5EF4-FFF2-40B4-BE49-F238E27FC236}">
-                <a16:creationId xmlns:a16="http://schemas.microsoft.com/office/drawing/2014/main" id="{E04ED7CB-4E54-4B09-A4A9-D49644F46C9A}"/>
-              </a:ext>
-            </a:extLst>
-          </p:cNvPr>
-          <p:cNvSpPr txBox="1"/>
-          <p:nvPr/>
-        </p:nvSpPr>
-        <p:spPr>
-          <a:xfrm>
-            <a:off x="1797261" y="6085001"/>
-            <a:ext cx="1798954" cy="369332"/>
-          </a:xfrm>
-          <a:prstGeom prst="rect">
-            <a:avLst/>
-          </a:prstGeom>
-          <a:noFill/>
-        </p:spPr>
-        <p:txBody>
-          <a:bodyPr wrap="none" rtlCol="0">
-            <a:spAutoFit/>
-          </a:bodyPr>
-          <a:lstStyle/>
-          <a:p>
-            <a:r>
-              <a:rPr lang="en-US" dirty="0"/>
-              <a:t>Persistence Layer</a:t>
-            </a:r>
-          </a:p>
-        </p:txBody>
-      </p:sp>
       <p:cxnSp>
         <p:nvCxnSpPr>
           <p:cNvPr id="16" name="Право съединение 15">
@@ -6273,8 +6113,8 @@
         </p:nvCxnSpPr>
         <p:spPr>
           <a:xfrm>
-            <a:off x="6664036" y="1246909"/>
-            <a:ext cx="0" cy="5181600"/>
+            <a:off x="6739537" y="1230145"/>
+            <a:ext cx="0" cy="4038141"/>
           </a:xfrm>
           <a:prstGeom prst="line">
             <a:avLst/>
@@ -6325,14 +6165,14 @@
           <a:p>
             <a:r>
               <a:rPr lang="en-US" sz="1400" dirty="0"/>
-              <a:t>SaveWorldModel</a:t>
+              <a:t>SaveWorldController</a:t>
             </a:r>
             <a:br>
               <a:rPr lang="en-US" sz="1400" dirty="0"/>
             </a:br>
             <a:r>
               <a:rPr lang="en-US" sz="1400" dirty="0"/>
-              <a:t>SaveWorldController</a:t>
+              <a:t>SaveWorldModel</a:t>
             </a:r>
           </a:p>
         </p:txBody>
@@ -6368,48 +6208,6 @@
             <a:r>
               <a:rPr lang="en-US" sz="1400" dirty="0"/>
               <a:t>SaveWorldDAL</a:t>
-            </a:r>
-          </a:p>
-        </p:txBody>
-      </p:sp>
-      <p:sp>
-        <p:nvSpPr>
-          <p:cNvPr id="19" name="Текстово поле 18">
-            <a:extLst>
-              <a:ext uri="{FF2B5EF4-FFF2-40B4-BE49-F238E27FC236}">
-                <a16:creationId xmlns:a16="http://schemas.microsoft.com/office/drawing/2014/main" id="{D5910314-4455-4273-BA3C-934C7F9BECC6}"/>
-              </a:ext>
-            </a:extLst>
-          </p:cNvPr>
-          <p:cNvSpPr txBox="1"/>
-          <p:nvPr/>
-        </p:nvSpPr>
-        <p:spPr>
-          <a:xfrm>
-            <a:off x="4396124" y="6135459"/>
-            <a:ext cx="1715791" cy="523220"/>
-          </a:xfrm>
-          <a:prstGeom prst="rect">
-            <a:avLst/>
-          </a:prstGeom>
-          <a:noFill/>
-        </p:spPr>
-        <p:txBody>
-          <a:bodyPr wrap="none" rtlCol="0">
-            <a:spAutoFit/>
-          </a:bodyPr>
-          <a:lstStyle/>
-          <a:p>
-            <a:r>
-              <a:rPr lang="en-US" sz="1400" dirty="0"/>
-              <a:t>Microsoft SQL Server</a:t>
-            </a:r>
-            <a:br>
-              <a:rPr lang="en-US" sz="1400" dirty="0"/>
-            </a:br>
-            <a:r>
-              <a:rPr lang="en-US" sz="1400" dirty="0"/>
-              <a:t>Management Studio</a:t>
             </a:r>
           </a:p>
         </p:txBody>
@@ -6554,52 +6352,6 @@
       </p:sp>
       <p:sp>
         <p:nvSpPr>
-          <p:cNvPr id="24" name="Стрелка: нагоре и надолу 23">
-            <a:extLst>
-              <a:ext uri="{FF2B5EF4-FFF2-40B4-BE49-F238E27FC236}">
-                <a16:creationId xmlns:a16="http://schemas.microsoft.com/office/drawing/2014/main" id="{0A5E68FA-AF7E-404E-9C15-88B073795F22}"/>
-              </a:ext>
-            </a:extLst>
-          </p:cNvPr>
-          <p:cNvSpPr/>
-          <p:nvPr/>
-        </p:nvSpPr>
-        <p:spPr>
-          <a:xfrm>
-            <a:off x="5031492" y="5381166"/>
-            <a:ext cx="484632" cy="803539"/>
-          </a:xfrm>
-          <a:prstGeom prst="upDownArrow">
-            <a:avLst/>
-          </a:prstGeom>
-        </p:spPr>
-        <p:style>
-          <a:lnRef idx="2">
-            <a:schemeClr val="accent1">
-              <a:shade val="50000"/>
-            </a:schemeClr>
-          </a:lnRef>
-          <a:fillRef idx="1">
-            <a:schemeClr val="accent1"/>
-          </a:fillRef>
-          <a:effectRef idx="0">
-            <a:schemeClr val="accent1"/>
-          </a:effectRef>
-          <a:fontRef idx="minor">
-            <a:schemeClr val="lt1"/>
-          </a:fontRef>
-        </p:style>
-        <p:txBody>
-          <a:bodyPr rtlCol="0" anchor="ctr"/>
-          <a:lstStyle/>
-          <a:p>
-            <a:pPr algn="ctr"/>
-            <a:endParaRPr lang="en-US"/>
-          </a:p>
-        </p:txBody>
-      </p:sp>
-      <p:sp>
-        <p:nvSpPr>
           <p:cNvPr id="27" name="Двойна скоба 26">
             <a:extLst>
               <a:ext uri="{FF2B5EF4-FFF2-40B4-BE49-F238E27FC236}">
@@ -6700,7 +6452,7 @@
         </p:nvSpPr>
         <p:spPr>
           <a:xfrm>
-            <a:off x="1704110" y="3201767"/>
+            <a:off x="1703725" y="3368508"/>
             <a:ext cx="5527963" cy="914400"/>
           </a:xfrm>
           <a:prstGeom prst="bracketPair">
@@ -6744,51 +6496,7 @@
         </p:nvSpPr>
         <p:spPr>
           <a:xfrm>
-            <a:off x="1704110" y="4487255"/>
-            <a:ext cx="5527963" cy="914400"/>
-          </a:xfrm>
-          <a:prstGeom prst="bracketPair">
-            <a:avLst/>
-          </a:prstGeom>
-        </p:spPr>
-        <p:style>
-          <a:lnRef idx="1">
-            <a:schemeClr val="accent1"/>
-          </a:lnRef>
-          <a:fillRef idx="0">
-            <a:schemeClr val="accent1"/>
-          </a:fillRef>
-          <a:effectRef idx="0">
-            <a:schemeClr val="accent1"/>
-          </a:effectRef>
-          <a:fontRef idx="minor">
-            <a:schemeClr val="tx1"/>
-          </a:fontRef>
-        </p:style>
-        <p:txBody>
-          <a:bodyPr rtlCol="0" anchor="ctr"/>
-          <a:lstStyle/>
-          <a:p>
-            <a:pPr algn="ctr"/>
-            <a:endParaRPr lang="en-US"/>
-          </a:p>
-        </p:txBody>
-      </p:sp>
-      <p:sp>
-        <p:nvSpPr>
-          <p:cNvPr id="31" name="Двойна скоба 30">
-            <a:extLst>
-              <a:ext uri="{FF2B5EF4-FFF2-40B4-BE49-F238E27FC236}">
-                <a16:creationId xmlns:a16="http://schemas.microsoft.com/office/drawing/2014/main" id="{D89B428D-9031-4EE4-9225-00629589C975}"/>
-              </a:ext>
-            </a:extLst>
-          </p:cNvPr>
-          <p:cNvSpPr/>
-          <p:nvPr/>
-        </p:nvSpPr>
-        <p:spPr>
-          <a:xfrm>
-            <a:off x="1704110" y="5778799"/>
+            <a:off x="1684175" y="4784091"/>
             <a:ext cx="5527963" cy="914400"/>
           </a:xfrm>
           <a:prstGeom prst="bracketPair">
